--- a/Szakszeminárium/ábrák/szerver Kapcsolat.pptx
+++ b/Szakszeminárium/ábrák/szerver Kapcsolat.pptx
@@ -104,6 +104,11 @@
       </a:defRPr>
     </a:lvl9pPr>
   </p:defaultTextStyle>
+  <p:extLst>
+    <p:ext uri="{EFAFB233-063F-42B5-8137-9DF3F51BA10A}">
+      <p15:sldGuideLst xmlns:p15="http://schemas.microsoft.com/office/powerpoint/2012/main"/>
+    </p:ext>
+  </p:extLst>
 </p:presentation>
 </file>
 
@@ -254,7 +259,7 @@
           <a:p>
             <a:fld id="{48C48F93-75A6-400A-AEA0-F8D53BE62D66}" type="datetimeFigureOut">
               <a:rPr lang="en-US" smtClean="0"/>
-              <a:t>4/6/2022</a:t>
+              <a:t>4/29/2022</a:t>
             </a:fld>
             <a:endParaRPr lang="en-US"/>
           </a:p>
@@ -452,7 +457,7 @@
           <a:p>
             <a:fld id="{48C48F93-75A6-400A-AEA0-F8D53BE62D66}" type="datetimeFigureOut">
               <a:rPr lang="en-US" smtClean="0"/>
-              <a:t>4/6/2022</a:t>
+              <a:t>4/29/2022</a:t>
             </a:fld>
             <a:endParaRPr lang="en-US"/>
           </a:p>
@@ -660,7 +665,7 @@
           <a:p>
             <a:fld id="{48C48F93-75A6-400A-AEA0-F8D53BE62D66}" type="datetimeFigureOut">
               <a:rPr lang="en-US" smtClean="0"/>
-              <a:t>4/6/2022</a:t>
+              <a:t>4/29/2022</a:t>
             </a:fld>
             <a:endParaRPr lang="en-US"/>
           </a:p>
@@ -858,7 +863,7 @@
           <a:p>
             <a:fld id="{48C48F93-75A6-400A-AEA0-F8D53BE62D66}" type="datetimeFigureOut">
               <a:rPr lang="en-US" smtClean="0"/>
-              <a:t>4/6/2022</a:t>
+              <a:t>4/29/2022</a:t>
             </a:fld>
             <a:endParaRPr lang="en-US"/>
           </a:p>
@@ -1133,7 +1138,7 @@
           <a:p>
             <a:fld id="{48C48F93-75A6-400A-AEA0-F8D53BE62D66}" type="datetimeFigureOut">
               <a:rPr lang="en-US" smtClean="0"/>
-              <a:t>4/6/2022</a:t>
+              <a:t>4/29/2022</a:t>
             </a:fld>
             <a:endParaRPr lang="en-US"/>
           </a:p>
@@ -1398,7 +1403,7 @@
           <a:p>
             <a:fld id="{48C48F93-75A6-400A-AEA0-F8D53BE62D66}" type="datetimeFigureOut">
               <a:rPr lang="en-US" smtClean="0"/>
-              <a:t>4/6/2022</a:t>
+              <a:t>4/29/2022</a:t>
             </a:fld>
             <a:endParaRPr lang="en-US"/>
           </a:p>
@@ -1810,7 +1815,7 @@
           <a:p>
             <a:fld id="{48C48F93-75A6-400A-AEA0-F8D53BE62D66}" type="datetimeFigureOut">
               <a:rPr lang="en-US" smtClean="0"/>
-              <a:t>4/6/2022</a:t>
+              <a:t>4/29/2022</a:t>
             </a:fld>
             <a:endParaRPr lang="en-US"/>
           </a:p>
@@ -1951,7 +1956,7 @@
           <a:p>
             <a:fld id="{48C48F93-75A6-400A-AEA0-F8D53BE62D66}" type="datetimeFigureOut">
               <a:rPr lang="en-US" smtClean="0"/>
-              <a:t>4/6/2022</a:t>
+              <a:t>4/29/2022</a:t>
             </a:fld>
             <a:endParaRPr lang="en-US"/>
           </a:p>
@@ -2064,7 +2069,7 @@
           <a:p>
             <a:fld id="{48C48F93-75A6-400A-AEA0-F8D53BE62D66}" type="datetimeFigureOut">
               <a:rPr lang="en-US" smtClean="0"/>
-              <a:t>4/6/2022</a:t>
+              <a:t>4/29/2022</a:t>
             </a:fld>
             <a:endParaRPr lang="en-US"/>
           </a:p>
@@ -2375,7 +2380,7 @@
           <a:p>
             <a:fld id="{48C48F93-75A6-400A-AEA0-F8D53BE62D66}" type="datetimeFigureOut">
               <a:rPr lang="en-US" smtClean="0"/>
-              <a:t>4/6/2022</a:t>
+              <a:t>4/29/2022</a:t>
             </a:fld>
             <a:endParaRPr lang="en-US"/>
           </a:p>
@@ -2663,7 +2668,7 @@
           <a:p>
             <a:fld id="{48C48F93-75A6-400A-AEA0-F8D53BE62D66}" type="datetimeFigureOut">
               <a:rPr lang="en-US" smtClean="0"/>
-              <a:t>4/6/2022</a:t>
+              <a:t>4/29/2022</a:t>
             </a:fld>
             <a:endParaRPr lang="en-US"/>
           </a:p>
@@ -2904,7 +2909,7 @@
           <a:p>
             <a:fld id="{48C48F93-75A6-400A-AEA0-F8D53BE62D66}" type="datetimeFigureOut">
               <a:rPr lang="en-US" smtClean="0"/>
-              <a:t>4/6/2022</a:t>
+              <a:t>4/29/2022</a:t>
             </a:fld>
             <a:endParaRPr lang="en-US"/>
           </a:p>
@@ -3830,7 +3835,10 @@
           <a:p>
             <a:pPr algn="ctr"/>
             <a:r>
-              <a:rPr lang="en-US" sz="1100" dirty="0"/>
+              <a:rPr lang="en-US" sz="1100" dirty="0">
+                <a:latin typeface="Times New Roman" panose="02020603050405020304" pitchFamily="18" charset="0"/>
+                <a:cs typeface="Times New Roman" panose="02020603050405020304" pitchFamily="18" charset="0"/>
+              </a:rPr>
               <a:t>Microsoft Word</a:t>
             </a:r>
           </a:p>
@@ -3866,14 +3874,23 @@
           <a:p>
             <a:pPr algn="ctr"/>
             <a:r>
-              <a:rPr lang="en-US" sz="1100" dirty="0"/>
+              <a:rPr lang="en-US" sz="1100" dirty="0">
+                <a:latin typeface="Times New Roman" panose="02020603050405020304" pitchFamily="18" charset="0"/>
+                <a:cs typeface="Times New Roman" panose="02020603050405020304" pitchFamily="18" charset="0"/>
+              </a:rPr>
               <a:t>Word Wed Add-In JavaScript </a:t>
             </a:r>
             <a:r>
-              <a:rPr lang="en-US" sz="1100" dirty="0" err="1"/>
+              <a:rPr lang="en-US" sz="1100" dirty="0" err="1">
+                <a:latin typeface="Times New Roman" panose="02020603050405020304" pitchFamily="18" charset="0"/>
+                <a:cs typeface="Times New Roman" panose="02020603050405020304" pitchFamily="18" charset="0"/>
+              </a:rPr>
               <a:t>alkalmazás</a:t>
             </a:r>
-            <a:endParaRPr lang="en-US" sz="1100" dirty="0"/>
+            <a:endParaRPr lang="en-US" sz="1100" dirty="0">
+              <a:latin typeface="Times New Roman" panose="02020603050405020304" pitchFamily="18" charset="0"/>
+              <a:cs typeface="Times New Roman" panose="02020603050405020304" pitchFamily="18" charset="0"/>
+            </a:endParaRPr>
           </a:p>
         </p:txBody>
       </p:sp>
@@ -3891,7 +3908,7 @@
         </p:nvSpPr>
         <p:spPr>
           <a:xfrm>
-            <a:off x="5466349" y="2875409"/>
+            <a:off x="5472157" y="2875409"/>
             <a:ext cx="1247686" cy="430887"/>
           </a:xfrm>
           <a:prstGeom prst="rect">
@@ -3907,22 +3924,37 @@
           <a:p>
             <a:pPr algn="ctr"/>
             <a:r>
-              <a:rPr lang="en-US" sz="1100" dirty="0"/>
+              <a:rPr lang="en-US" sz="1100" dirty="0">
+                <a:latin typeface="Times New Roman" panose="02020603050405020304" pitchFamily="18" charset="0"/>
+                <a:cs typeface="Times New Roman" panose="02020603050405020304" pitchFamily="18" charset="0"/>
+              </a:rPr>
               <a:t>PHP </a:t>
             </a:r>
             <a:r>
-              <a:rPr lang="en-US" sz="1100" dirty="0" err="1"/>
+              <a:rPr lang="en-US" sz="1100" dirty="0" err="1">
+                <a:latin typeface="Times New Roman" panose="02020603050405020304" pitchFamily="18" charset="0"/>
+                <a:cs typeface="Times New Roman" panose="02020603050405020304" pitchFamily="18" charset="0"/>
+              </a:rPr>
               <a:t>szerver</a:t>
             </a:r>
             <a:r>
-              <a:rPr lang="en-US" sz="1100" dirty="0"/>
+              <a:rPr lang="en-US" sz="1100" dirty="0">
+                <a:latin typeface="Times New Roman" panose="02020603050405020304" pitchFamily="18" charset="0"/>
+                <a:cs typeface="Times New Roman" panose="02020603050405020304" pitchFamily="18" charset="0"/>
+              </a:rPr>
               <a:t> </a:t>
             </a:r>
             <a:r>
-              <a:rPr lang="en-US" sz="1100" dirty="0" err="1"/>
+              <a:rPr lang="en-US" sz="1100" dirty="0" err="1">
+                <a:latin typeface="Times New Roman" panose="02020603050405020304" pitchFamily="18" charset="0"/>
+                <a:cs typeface="Times New Roman" panose="02020603050405020304" pitchFamily="18" charset="0"/>
+              </a:rPr>
               <a:t>alkalmazás</a:t>
             </a:r>
-            <a:endParaRPr lang="en-US" sz="1100" dirty="0"/>
+            <a:endParaRPr lang="en-US" sz="1100" dirty="0">
+              <a:latin typeface="Times New Roman" panose="02020603050405020304" pitchFamily="18" charset="0"/>
+              <a:cs typeface="Times New Roman" panose="02020603050405020304" pitchFamily="18" charset="0"/>
+            </a:endParaRPr>
           </a:p>
         </p:txBody>
       </p:sp>
@@ -3956,22 +3988,37 @@
           <a:p>
             <a:pPr algn="ctr"/>
             <a:r>
-              <a:rPr lang="en-US" sz="1100" dirty="0"/>
+              <a:rPr lang="en-US" sz="1100" dirty="0">
+                <a:latin typeface="Times New Roman" panose="02020603050405020304" pitchFamily="18" charset="0"/>
+                <a:cs typeface="Times New Roman" panose="02020603050405020304" pitchFamily="18" charset="0"/>
+              </a:rPr>
               <a:t>MySQL </a:t>
             </a:r>
             <a:r>
-              <a:rPr lang="en-US" sz="1100" dirty="0" err="1"/>
+              <a:rPr lang="en-US" sz="1100" dirty="0" err="1">
+                <a:latin typeface="Times New Roman" panose="02020603050405020304" pitchFamily="18" charset="0"/>
+                <a:cs typeface="Times New Roman" panose="02020603050405020304" pitchFamily="18" charset="0"/>
+              </a:rPr>
               <a:t>adatbázis</a:t>
             </a:r>
             <a:r>
-              <a:rPr lang="en-US" sz="1100" dirty="0"/>
+              <a:rPr lang="en-US" sz="1100" dirty="0">
+                <a:latin typeface="Times New Roman" panose="02020603050405020304" pitchFamily="18" charset="0"/>
+                <a:cs typeface="Times New Roman" panose="02020603050405020304" pitchFamily="18" charset="0"/>
+              </a:rPr>
               <a:t> </a:t>
             </a:r>
             <a:r>
-              <a:rPr lang="en-US" sz="1100" dirty="0" err="1"/>
+              <a:rPr lang="en-US" sz="1100" dirty="0" err="1">
+                <a:latin typeface="Times New Roman" panose="02020603050405020304" pitchFamily="18" charset="0"/>
+                <a:cs typeface="Times New Roman" panose="02020603050405020304" pitchFamily="18" charset="0"/>
+              </a:rPr>
               <a:t>szerver</a:t>
             </a:r>
-            <a:endParaRPr lang="en-US" sz="1100" dirty="0"/>
+            <a:endParaRPr lang="en-US" sz="1100" dirty="0">
+              <a:latin typeface="Times New Roman" panose="02020603050405020304" pitchFamily="18" charset="0"/>
+              <a:cs typeface="Times New Roman" panose="02020603050405020304" pitchFamily="18" charset="0"/>
+            </a:endParaRPr>
           </a:p>
         </p:txBody>
       </p:sp>
@@ -4005,7 +4052,10 @@
           <a:p>
             <a:pPr algn="ctr"/>
             <a:r>
-              <a:rPr lang="en-US" sz="1100" dirty="0"/>
+              <a:rPr lang="en-US" sz="1100" dirty="0">
+                <a:latin typeface="Times New Roman" panose="02020603050405020304" pitchFamily="18" charset="0"/>
+                <a:cs typeface="Times New Roman" panose="02020603050405020304" pitchFamily="18" charset="0"/>
+              </a:rPr>
               <a:t>Word Rich API</a:t>
             </a:r>
           </a:p>
@@ -4041,15 +4091,24 @@
           <a:p>
             <a:pPr algn="ctr"/>
             <a:r>
-              <a:rPr lang="en-US" sz="1100" dirty="0"/>
+              <a:rPr lang="en-US" sz="1100" dirty="0">
+                <a:latin typeface="Times New Roman" panose="02020603050405020304" pitchFamily="18" charset="0"/>
+                <a:cs typeface="Times New Roman" panose="02020603050405020304" pitchFamily="18" charset="0"/>
+              </a:rPr>
               <a:t>HTTP Request (</a:t>
             </a:r>
             <a:r>
-              <a:rPr lang="en-US" sz="1100" dirty="0" err="1"/>
+              <a:rPr lang="en-US" sz="1100" dirty="0" err="1">
+                <a:latin typeface="Times New Roman" panose="02020603050405020304" pitchFamily="18" charset="0"/>
+                <a:cs typeface="Times New Roman" panose="02020603050405020304" pitchFamily="18" charset="0"/>
+              </a:rPr>
               <a:t>Json</a:t>
             </a:r>
             <a:r>
-              <a:rPr lang="en-US" sz="1100" dirty="0"/>
+              <a:rPr lang="en-US" sz="1100" dirty="0">
+                <a:latin typeface="Times New Roman" panose="02020603050405020304" pitchFamily="18" charset="0"/>
+                <a:cs typeface="Times New Roman" panose="02020603050405020304" pitchFamily="18" charset="0"/>
+              </a:rPr>
               <a:t>)</a:t>
             </a:r>
           </a:p>
@@ -4085,47 +4144,80 @@
           <a:p>
             <a:pPr algn="ctr"/>
             <a:r>
-              <a:rPr lang="en-US" sz="1100" dirty="0" err="1"/>
+              <a:rPr lang="en-US" sz="1100" dirty="0" err="1">
+                <a:latin typeface="Times New Roman" panose="02020603050405020304" pitchFamily="18" charset="0"/>
+                <a:cs typeface="Times New Roman" panose="02020603050405020304" pitchFamily="18" charset="0"/>
+              </a:rPr>
               <a:t>Adatbázis</a:t>
             </a:r>
             <a:r>
-              <a:rPr lang="en-US" sz="1100" dirty="0"/>
+              <a:rPr lang="en-US" sz="1100" dirty="0">
+                <a:latin typeface="Times New Roman" panose="02020603050405020304" pitchFamily="18" charset="0"/>
+                <a:cs typeface="Times New Roman" panose="02020603050405020304" pitchFamily="18" charset="0"/>
+              </a:rPr>
               <a:t> </a:t>
             </a:r>
             <a:r>
-              <a:rPr lang="en-US" sz="1100" dirty="0" err="1"/>
+              <a:rPr lang="en-US" sz="1100" dirty="0" err="1">
+                <a:latin typeface="Times New Roman" panose="02020603050405020304" pitchFamily="18" charset="0"/>
+                <a:cs typeface="Times New Roman" panose="02020603050405020304" pitchFamily="18" charset="0"/>
+              </a:rPr>
               <a:t>szerver</a:t>
             </a:r>
             <a:r>
-              <a:rPr lang="en-US" sz="1100" dirty="0"/>
+              <a:rPr lang="en-US" sz="1100" dirty="0">
+                <a:latin typeface="Times New Roman" panose="02020603050405020304" pitchFamily="18" charset="0"/>
+                <a:cs typeface="Times New Roman" panose="02020603050405020304" pitchFamily="18" charset="0"/>
+              </a:rPr>
               <a:t> </a:t>
             </a:r>
             <a:r>
-              <a:rPr lang="en-US" sz="1100" dirty="0" err="1"/>
+              <a:rPr lang="en-US" sz="1100" dirty="0" err="1">
+                <a:latin typeface="Times New Roman" panose="02020603050405020304" pitchFamily="18" charset="0"/>
+                <a:cs typeface="Times New Roman" panose="02020603050405020304" pitchFamily="18" charset="0"/>
+              </a:rPr>
               <a:t>kapcsolodás</a:t>
             </a:r>
-            <a:endParaRPr lang="en-US" sz="1100" dirty="0"/>
+            <a:endParaRPr lang="en-US" sz="1100" dirty="0">
+              <a:latin typeface="Times New Roman" panose="02020603050405020304" pitchFamily="18" charset="0"/>
+              <a:cs typeface="Times New Roman" panose="02020603050405020304" pitchFamily="18" charset="0"/>
+            </a:endParaRPr>
           </a:p>
           <a:p>
             <a:pPr algn="ctr"/>
             <a:r>
-              <a:rPr lang="en-US" sz="1100" dirty="0"/>
+              <a:rPr lang="en-US" sz="1100" dirty="0">
+                <a:latin typeface="Times New Roman" panose="02020603050405020304" pitchFamily="18" charset="0"/>
+                <a:cs typeface="Times New Roman" panose="02020603050405020304" pitchFamily="18" charset="0"/>
+              </a:rPr>
               <a:t>(</a:t>
             </a:r>
             <a:r>
-              <a:rPr lang="en-US" sz="1100" dirty="0" err="1"/>
+              <a:rPr lang="en-US" sz="1100" dirty="0" err="1">
+                <a:latin typeface="Times New Roman" panose="02020603050405020304" pitchFamily="18" charset="0"/>
+                <a:cs typeface="Times New Roman" panose="02020603050405020304" pitchFamily="18" charset="0"/>
+              </a:rPr>
               <a:t>MySQLi</a:t>
             </a:r>
             <a:r>
-              <a:rPr lang="en-US" sz="1100" dirty="0"/>
+              <a:rPr lang="en-US" sz="1100" dirty="0">
+                <a:latin typeface="Times New Roman" panose="02020603050405020304" pitchFamily="18" charset="0"/>
+                <a:cs typeface="Times New Roman" panose="02020603050405020304" pitchFamily="18" charset="0"/>
+              </a:rPr>
               <a:t> </a:t>
             </a:r>
             <a:r>
-              <a:rPr lang="en-US" sz="1100" dirty="0" err="1"/>
+              <a:rPr lang="en-US" sz="1100" dirty="0" err="1">
+                <a:latin typeface="Times New Roman" panose="02020603050405020304" pitchFamily="18" charset="0"/>
+                <a:cs typeface="Times New Roman" panose="02020603050405020304" pitchFamily="18" charset="0"/>
+              </a:rPr>
               <a:t>lekérdezések</a:t>
             </a:r>
             <a:r>
-              <a:rPr lang="en-US" sz="1100" dirty="0"/>
+              <a:rPr lang="en-US" sz="1100" dirty="0">
+                <a:latin typeface="Times New Roman" panose="02020603050405020304" pitchFamily="18" charset="0"/>
+                <a:cs typeface="Times New Roman" panose="02020603050405020304" pitchFamily="18" charset="0"/>
+              </a:rPr>
               <a:t>)</a:t>
             </a:r>
           </a:p>
